--- a/Prezentacija/Prezentacija.pptx
+++ b/Prezentacija/Prezentacija.pptx
@@ -15,17 +15,18 @@
     <p:sldId id="263" r:id="rId9"/>
     <p:sldId id="264" r:id="rId10"/>
     <p:sldId id="265" r:id="rId11"/>
-    <p:sldId id="266" r:id="rId12"/>
-    <p:sldId id="267" r:id="rId13"/>
-    <p:sldId id="268" r:id="rId14"/>
-    <p:sldId id="269" r:id="rId15"/>
-    <p:sldId id="270" r:id="rId16"/>
-    <p:sldId id="271" r:id="rId17"/>
-    <p:sldId id="272" r:id="rId18"/>
-    <p:sldId id="273" r:id="rId19"/>
-    <p:sldId id="274" r:id="rId20"/>
-    <p:sldId id="275" r:id="rId21"/>
-    <p:sldId id="276" r:id="rId22"/>
+    <p:sldId id="277" r:id="rId12"/>
+    <p:sldId id="266" r:id="rId13"/>
+    <p:sldId id="267" r:id="rId14"/>
+    <p:sldId id="268" r:id="rId15"/>
+    <p:sldId id="269" r:id="rId16"/>
+    <p:sldId id="270" r:id="rId17"/>
+    <p:sldId id="271" r:id="rId18"/>
+    <p:sldId id="272" r:id="rId19"/>
+    <p:sldId id="273" r:id="rId20"/>
+    <p:sldId id="274" r:id="rId21"/>
+    <p:sldId id="275" r:id="rId22"/>
+    <p:sldId id="276" r:id="rId23"/>
   </p:sldIdLst>
   <p:sldSz cx="12192000" cy="6858000"/>
   <p:notesSz cx="6858000" cy="9144000"/>
@@ -124,6 +125,11 @@
       </a:defRPr>
     </a:lvl9pPr>
   </p:defaultTextStyle>
+  <p:extLst>
+    <p:ext uri="{EFAFB233-063F-42B5-8137-9DF3F51BA10A}">
+      <p15:sldGuideLst xmlns:p15="http://schemas.microsoft.com/office/powerpoint/2012/main"/>
+    </p:ext>
+  </p:extLst>
 </p:presentation>
 </file>
 
@@ -459,7 +465,7 @@
             <a:fld id="{B61BEF0D-F0BB-DE4B-95CE-6DB70DBA9567}" type="datetimeFigureOut">
               <a:rPr lang="en-US" dirty="0"/>
               <a:pPr/>
-              <a:t>10-01-26</a:t>
+              <a:t>17-01-26</a:t>
             </a:fld>
             <a:endParaRPr lang="en-US" dirty="0"/>
           </a:p>
@@ -780,7 +786,7 @@
             <a:fld id="{B61BEF0D-F0BB-DE4B-95CE-6DB70DBA9567}" type="datetimeFigureOut">
               <a:rPr lang="en-US" dirty="0"/>
               <a:pPr/>
-              <a:t>10-01-26</a:t>
+              <a:t>17-01-26</a:t>
             </a:fld>
             <a:endParaRPr lang="en-US" dirty="0"/>
           </a:p>
@@ -1025,7 +1031,7 @@
             <a:fld id="{B61BEF0D-F0BB-DE4B-95CE-6DB70DBA9567}" type="datetimeFigureOut">
               <a:rPr lang="en-US" dirty="0"/>
               <a:pPr/>
-              <a:t>10-01-26</a:t>
+              <a:t>17-01-26</a:t>
             </a:fld>
             <a:endParaRPr lang="en-US" dirty="0"/>
           </a:p>
@@ -1361,7 +1367,7 @@
             <a:fld id="{B61BEF0D-F0BB-DE4B-95CE-6DB70DBA9567}" type="datetimeFigureOut">
               <a:rPr lang="en-US" dirty="0"/>
               <a:pPr/>
-              <a:t>10-01-26</a:t>
+              <a:t>17-01-26</a:t>
             </a:fld>
             <a:endParaRPr lang="en-US" dirty="0"/>
           </a:p>
@@ -1705,7 +1711,7 @@
             <a:fld id="{B61BEF0D-F0BB-DE4B-95CE-6DB70DBA9567}" type="datetimeFigureOut">
               <a:rPr lang="en-US" dirty="0"/>
               <a:pPr/>
-              <a:t>10-01-26</a:t>
+              <a:t>17-01-26</a:t>
             </a:fld>
             <a:endParaRPr lang="en-US" dirty="0"/>
           </a:p>
@@ -2076,7 +2082,7 @@
             <a:fld id="{B61BEF0D-F0BB-DE4B-95CE-6DB70DBA9567}" type="datetimeFigureOut">
               <a:rPr lang="en-US" dirty="0"/>
               <a:pPr/>
-              <a:t>10-01-26</a:t>
+              <a:t>17-01-26</a:t>
             </a:fld>
             <a:endParaRPr lang="en-US" dirty="0"/>
           </a:p>
@@ -2543,7 +2549,7 @@
             <a:fld id="{B61BEF0D-F0BB-DE4B-95CE-6DB70DBA9567}" type="datetimeFigureOut">
               <a:rPr lang="en-US" dirty="0"/>
               <a:pPr/>
-              <a:t>10-01-26</a:t>
+              <a:t>17-01-26</a:t>
             </a:fld>
             <a:endParaRPr lang="en-US" dirty="0"/>
           </a:p>
@@ -2745,7 +2751,7 @@
             <a:fld id="{B61BEF0D-F0BB-DE4B-95CE-6DB70DBA9567}" type="datetimeFigureOut">
               <a:rPr lang="en-US" dirty="0"/>
               <a:pPr/>
-              <a:t>10-01-26</a:t>
+              <a:t>17-01-26</a:t>
             </a:fld>
             <a:endParaRPr lang="en-US" dirty="0"/>
           </a:p>
@@ -2953,7 +2959,7 @@
             <a:fld id="{B61BEF0D-F0BB-DE4B-95CE-6DB70DBA9567}" type="datetimeFigureOut">
               <a:rPr lang="en-US" dirty="0"/>
               <a:pPr/>
-              <a:t>10-01-26</a:t>
+              <a:t>17-01-26</a:t>
             </a:fld>
             <a:endParaRPr lang="en-US" dirty="0"/>
           </a:p>
@@ -3181,7 +3187,7 @@
           <a:p>
             <a:fld id="{52647F38-B617-4D2F-AE0A-013F0C4D2C57}" type="datetimeFigureOut">
               <a:rPr lang="en-US" dirty="0"/>
-              <a:t>10-01-26</a:t>
+              <a:t>17-01-26</a:t>
             </a:fld>
             <a:endParaRPr lang="en-US" dirty="0"/>
           </a:p>
@@ -3425,7 +3431,7 @@
             <a:fld id="{B61BEF0D-F0BB-DE4B-95CE-6DB70DBA9567}" type="datetimeFigureOut">
               <a:rPr lang="en-US" dirty="0"/>
               <a:pPr/>
-              <a:t>10-01-26</a:t>
+              <a:t>17-01-26</a:t>
             </a:fld>
             <a:endParaRPr lang="en-US" dirty="0"/>
           </a:p>
@@ -3719,7 +3725,7 @@
           <a:p>
             <a:fld id="{05BFA754-D5C3-4E66-96A6-867B257F58DC}" type="datetimeFigureOut">
               <a:rPr lang="en-US" dirty="0"/>
-              <a:t>10-01-26</a:t>
+              <a:t>17-01-26</a:t>
             </a:fld>
             <a:endParaRPr lang="en-US" dirty="0"/>
           </a:p>
@@ -4109,7 +4115,7 @@
             <a:fld id="{B61BEF0D-F0BB-DE4B-95CE-6DB70DBA9567}" type="datetimeFigureOut">
               <a:rPr lang="en-US" dirty="0"/>
               <a:pPr/>
-              <a:t>10-01-26</a:t>
+              <a:t>17-01-26</a:t>
             </a:fld>
             <a:endParaRPr lang="en-US" dirty="0"/>
           </a:p>
@@ -4255,7 +4261,7 @@
             <a:fld id="{B61BEF0D-F0BB-DE4B-95CE-6DB70DBA9567}" type="datetimeFigureOut">
               <a:rPr lang="en-US" dirty="0"/>
               <a:pPr/>
-              <a:t>10-01-26</a:t>
+              <a:t>17-01-26</a:t>
             </a:fld>
             <a:endParaRPr lang="en-US" dirty="0"/>
           </a:p>
@@ -4378,7 +4384,7 @@
             <a:fld id="{B61BEF0D-F0BB-DE4B-95CE-6DB70DBA9567}" type="datetimeFigureOut">
               <a:rPr lang="en-US" dirty="0"/>
               <a:pPr/>
-              <a:t>10-01-26</a:t>
+              <a:t>17-01-26</a:t>
             </a:fld>
             <a:endParaRPr lang="en-US" dirty="0"/>
           </a:p>
@@ -4630,7 +4636,7 @@
             <a:fld id="{B61BEF0D-F0BB-DE4B-95CE-6DB70DBA9567}" type="datetimeFigureOut">
               <a:rPr lang="en-US" dirty="0"/>
               <a:pPr/>
-              <a:t>10-01-26</a:t>
+              <a:t>17-01-26</a:t>
             </a:fld>
             <a:endParaRPr lang="en-US" dirty="0"/>
           </a:p>
@@ -4942,7 +4948,7 @@
             <a:fld id="{B61BEF0D-F0BB-DE4B-95CE-6DB70DBA9567}" type="datetimeFigureOut">
               <a:rPr lang="en-US" dirty="0"/>
               <a:pPr/>
-              <a:t>10-01-26</a:t>
+              <a:t>17-01-26</a:t>
             </a:fld>
             <a:endParaRPr lang="en-US" dirty="0"/>
           </a:p>
@@ -5290,7 +5296,7 @@
             <a:fld id="{B61BEF0D-F0BB-DE4B-95CE-6DB70DBA9567}" type="datetimeFigureOut">
               <a:rPr lang="en-US" dirty="0"/>
               <a:pPr/>
-              <a:t>10-01-26</a:t>
+              <a:t>17-01-26</a:t>
             </a:fld>
             <a:endParaRPr lang="en-US" dirty="0"/>
           </a:p>
@@ -6299,156 +6305,110 @@
           <a:chExt cx="0" cy="0"/>
         </a:xfrm>
       </p:grpSpPr>
-      <p:pic>
-        <p:nvPicPr>
-          <p:cNvPr id="4" name="Content Placeholder 3">
+      <p:sp>
+        <p:nvSpPr>
+          <p:cNvPr id="5" name="Title 4">
             <a:extLst>
               <a:ext uri="{FF2B5EF4-FFF2-40B4-BE49-F238E27FC236}">
-                <a16:creationId xmlns:a16="http://schemas.microsoft.com/office/drawing/2014/main" id="{C518573C-EFF0-109F-71F7-6681690A5139}"/>
+                <a16:creationId xmlns:a16="http://schemas.microsoft.com/office/drawing/2014/main" id="{82EFEAAE-51F3-B428-C2BD-1BE76B83D825}"/>
               </a:ext>
             </a:extLst>
           </p:cNvPr>
-          <p:cNvPicPr>
-            <a:picLocks noGrp="1" noChangeAspect="1"/>
-          </p:cNvPicPr>
-          <p:nvPr>
-            <p:ph idx="4294967295"/>
-          </p:nvPr>
-        </p:nvPicPr>
-        <p:blipFill>
-          <a:blip r:embed="rId2"/>
-          <a:srcRect t="6549"/>
-          <a:stretch/>
-        </p:blipFill>
+          <p:cNvSpPr>
+            <a:spLocks noGrp="1"/>
+          </p:cNvSpPr>
+          <p:nvPr>
+            <p:ph type="title"/>
+          </p:nvPr>
+        </p:nvSpPr>
         <p:spPr>
           <a:xfrm>
-            <a:off x="1175084" y="577516"/>
-            <a:ext cx="9841831" cy="5069304"/>
+            <a:off x="1114926" y="818475"/>
+            <a:ext cx="9601196" cy="1303867"/>
           </a:xfrm>
-          <a:prstGeom prst="rect">
-            <a:avLst/>
-          </a:prstGeom>
         </p:spPr>
-      </p:pic>
-      <p:sp>
-        <p:nvSpPr>
-          <p:cNvPr id="5" name="TextBox 4">
+        <p:txBody>
+          <a:bodyPr/>
+          <a:lstStyle/>
+          <a:p>
+            <a:r>
+              <a:rPr lang="sr-Latn-RS" sz="4400" dirty="0"/>
+              <a:t>Pravilo za detekciju anomalija</a:t>
+            </a:r>
+            <a:endParaRPr lang="en-US" dirty="0"/>
+          </a:p>
+        </p:txBody>
+      </p:sp>
+      <p:sp>
+        <p:nvSpPr>
+          <p:cNvPr id="6" name="Content Placeholder 5">
             <a:extLst>
               <a:ext uri="{FF2B5EF4-FFF2-40B4-BE49-F238E27FC236}">
-                <a16:creationId xmlns:a16="http://schemas.microsoft.com/office/drawing/2014/main" id="{032D913A-7091-2982-B8C5-5521286EB8E7}"/>
+                <a16:creationId xmlns:a16="http://schemas.microsoft.com/office/drawing/2014/main" id="{C6CA81A7-EFFA-E69B-4B4F-BDB2D8BE54FF}"/>
               </a:ext>
             </a:extLst>
           </p:cNvPr>
-          <p:cNvSpPr txBox="1"/>
-          <p:nvPr/>
+          <p:cNvSpPr>
+            <a:spLocks noGrp="1"/>
+          </p:cNvSpPr>
+          <p:nvPr>
+            <p:ph idx="1"/>
+          </p:nvPr>
         </p:nvSpPr>
         <p:spPr>
           <a:xfrm>
-            <a:off x="3702767" y="5743074"/>
-            <a:ext cx="4312399" cy="646331"/>
+            <a:off x="1295402" y="1971395"/>
+            <a:ext cx="9601196" cy="3318936"/>
           </a:xfrm>
-          <a:prstGeom prst="rect">
-            <a:avLst/>
-          </a:prstGeom>
-          <a:noFill/>
         </p:spPr>
         <p:txBody>
-          <a:bodyPr wrap="none" rtlCol="0">
-            <a:spAutoFit/>
+          <a:bodyPr>
+            <a:normAutofit lnSpcReduction="10000"/>
           </a:bodyPr>
           <a:lstStyle/>
           <a:p>
+            <a:endParaRPr lang="sr-Latn-RS" dirty="0"/>
+          </a:p>
+          <a:p>
             <a:pPr algn="ctr"/>
             <a:r>
-              <a:rPr lang="en-US" sz="1800" kern="0" dirty="0" err="1">
-                <a:solidFill>
-                  <a:srgbClr val="44546A"/>
-                </a:solidFill>
-                <a:effectLst/>
-              </a:rPr>
-              <a:t>Detekcija</a:t>
-            </a:r>
-            <a:r>
-              <a:rPr lang="en-US" sz="1800" kern="0" dirty="0">
-                <a:solidFill>
-                  <a:srgbClr val="44546A"/>
-                </a:solidFill>
-                <a:effectLst/>
-              </a:rPr>
-              <a:t> </a:t>
-            </a:r>
-            <a:r>
-              <a:rPr lang="en-US" sz="1800" kern="0" dirty="0" err="1">
-                <a:solidFill>
-                  <a:srgbClr val="44546A"/>
-                </a:solidFill>
-                <a:effectLst/>
-              </a:rPr>
-              <a:t>anomalija</a:t>
-            </a:r>
-            <a:r>
-              <a:rPr lang="en-US" sz="1800" kern="0" dirty="0">
-                <a:solidFill>
-                  <a:srgbClr val="44546A"/>
-                </a:solidFill>
-                <a:effectLst/>
-              </a:rPr>
-              <a:t> u </a:t>
-            </a:r>
-            <a:r>
-              <a:rPr lang="en-US" sz="1800" kern="0" dirty="0" err="1">
-                <a:solidFill>
-                  <a:srgbClr val="44546A"/>
-                </a:solidFill>
-                <a:effectLst/>
-              </a:rPr>
-              <a:t>broju</a:t>
-            </a:r>
-            <a:r>
-              <a:rPr lang="en-US" sz="1800" kern="0" dirty="0">
-                <a:solidFill>
-                  <a:srgbClr val="44546A"/>
-                </a:solidFill>
-                <a:effectLst/>
-              </a:rPr>
-              <a:t> </a:t>
-            </a:r>
-            <a:r>
-              <a:rPr lang="en-US" sz="1800" kern="0" dirty="0" err="1">
-                <a:solidFill>
-                  <a:srgbClr val="44546A"/>
-                </a:solidFill>
-                <a:effectLst/>
-              </a:rPr>
-              <a:t>pristupa</a:t>
-            </a:r>
-            <a:r>
-              <a:rPr lang="en-US" sz="1800" kern="0" dirty="0">
-                <a:solidFill>
-                  <a:srgbClr val="44546A"/>
-                </a:solidFill>
-                <a:effectLst/>
-              </a:rPr>
-              <a:t> </a:t>
-            </a:r>
-            <a:r>
-              <a:rPr lang="en-US" sz="1800" kern="0" dirty="0" err="1">
-                <a:solidFill>
-                  <a:srgbClr val="44546A"/>
-                </a:solidFill>
-                <a:effectLst/>
-              </a:rPr>
-              <a:t>fajlovima</a:t>
-            </a:r>
-            <a:endParaRPr lang="en-US" sz="1800" dirty="0">
-              <a:solidFill>
-                <a:srgbClr val="44546A"/>
-              </a:solidFill>
-              <a:effectLst/>
-            </a:endParaRPr>
-          </a:p>
-          <a:p>
-            <a:pPr algn="ctr"/>
+              <a:rPr lang="sr-Latn-RS" dirty="0"/>
+              <a:t>	</a:t>
+            </a:r>
+          </a:p>
+          <a:p>
+            <a:r>
+              <a:rPr lang="en-US" sz="2400" dirty="0" err="1"/>
+              <a:t>Odre</a:t>
+            </a:r>
+            <a:r>
+              <a:rPr lang="sr-Latn-RS" sz="2400" dirty="0"/>
+              <a:t>đivanje donje granice: Q1-1.5*IQR</a:t>
+            </a:r>
+          </a:p>
+          <a:p>
+            <a:r>
+              <a:rPr lang="en-US" sz="2400" dirty="0" err="1"/>
+              <a:t>Odre</a:t>
+            </a:r>
+            <a:r>
+              <a:rPr lang="sr-Latn-RS" sz="2400" dirty="0"/>
+              <a:t>đivanje gornje granice: Q1+1.5*IQR</a:t>
+            </a:r>
+          </a:p>
+          <a:p>
+            <a:endParaRPr lang="sr-Latn-RS" sz="2400" dirty="0"/>
+          </a:p>
+          <a:p>
+            <a:r>
+              <a:rPr lang="sr-Latn-RS" sz="2400" dirty="0"/>
+              <a:t>Sve vrdnosti koje se nalaze ispod donje granice ili iznad gornje granice smatraju se anomalijama.</a:t>
+            </a:r>
+          </a:p>
+          <a:p>
+            <a:endParaRPr lang="en-US" dirty="0"/>
+          </a:p>
+          <a:p>
             <a:endParaRPr lang="en-US" dirty="0"/>
           </a:p>
         </p:txBody>
@@ -6456,7 +6416,7 @@
     </p:spTree>
     <p:extLst>
       <p:ext uri="{BB962C8B-B14F-4D97-AF65-F5344CB8AC3E}">
-        <p14:creationId xmlns:p14="http://schemas.microsoft.com/office/powerpoint/2010/main" val="3104019003"/>
+        <p14:creationId xmlns:p14="http://schemas.microsoft.com/office/powerpoint/2010/main" val="1897181628"/>
       </p:ext>
     </p:extLst>
   </p:cSld>
@@ -6483,133 +6443,164 @@
           <a:chExt cx="0" cy="0"/>
         </a:xfrm>
       </p:grpSpPr>
-      <p:sp>
-        <p:nvSpPr>
-          <p:cNvPr id="2" name="Title 1">
+      <p:pic>
+        <p:nvPicPr>
+          <p:cNvPr id="4" name="Content Placeholder 3">
             <a:extLst>
               <a:ext uri="{FF2B5EF4-FFF2-40B4-BE49-F238E27FC236}">
-                <a16:creationId xmlns:a16="http://schemas.microsoft.com/office/drawing/2014/main" id="{558AAF78-78EC-802E-B280-0F55E2351F86}"/>
+                <a16:creationId xmlns:a16="http://schemas.microsoft.com/office/drawing/2014/main" id="{C518573C-EFF0-109F-71F7-6681690A5139}"/>
               </a:ext>
             </a:extLst>
           </p:cNvPr>
-          <p:cNvSpPr>
-            <a:spLocks noGrp="1"/>
-          </p:cNvSpPr>
-          <p:nvPr>
-            <p:ph type="title"/>
-          </p:nvPr>
-        </p:nvSpPr>
-        <p:spPr/>
-        <p:txBody>
-          <a:bodyPr/>
-          <a:lstStyle/>
-          <a:p>
-            <a:r>
-              <a:rPr lang="en-US" dirty="0" err="1"/>
-              <a:t>Rezultati</a:t>
-            </a:r>
-            <a:r>
-              <a:rPr lang="en-US" dirty="0"/>
-              <a:t> I </a:t>
-            </a:r>
-            <a:r>
-              <a:rPr lang="en-US" dirty="0" err="1"/>
-              <a:t>primeri</a:t>
-            </a:r>
-            <a:endParaRPr lang="en-US" dirty="0"/>
-          </a:p>
-        </p:txBody>
-      </p:sp>
-      <p:sp>
-        <p:nvSpPr>
-          <p:cNvPr id="3" name="Content Placeholder 2">
+          <p:cNvPicPr>
+            <a:picLocks noGrp="1" noChangeAspect="1"/>
+          </p:cNvPicPr>
+          <p:nvPr>
+            <p:ph idx="4294967295"/>
+          </p:nvPr>
+        </p:nvPicPr>
+        <p:blipFill>
+          <a:blip r:embed="rId2"/>
+          <a:srcRect t="6549"/>
+          <a:stretch/>
+        </p:blipFill>
+        <p:spPr>
+          <a:xfrm>
+            <a:off x="1175084" y="577516"/>
+            <a:ext cx="9841831" cy="5069304"/>
+          </a:xfrm>
+          <a:prstGeom prst="rect">
+            <a:avLst/>
+          </a:prstGeom>
+        </p:spPr>
+      </p:pic>
+      <p:sp>
+        <p:nvSpPr>
+          <p:cNvPr id="5" name="TextBox 4">
             <a:extLst>
               <a:ext uri="{FF2B5EF4-FFF2-40B4-BE49-F238E27FC236}">
-                <a16:creationId xmlns:a16="http://schemas.microsoft.com/office/drawing/2014/main" id="{CE4F2BDA-D08A-F282-8ED1-AE1B6252030F}"/>
+                <a16:creationId xmlns:a16="http://schemas.microsoft.com/office/drawing/2014/main" id="{032D913A-7091-2982-B8C5-5521286EB8E7}"/>
               </a:ext>
             </a:extLst>
           </p:cNvPr>
-          <p:cNvSpPr>
-            <a:spLocks noGrp="1"/>
-          </p:cNvSpPr>
-          <p:nvPr>
-            <p:ph idx="1"/>
-          </p:nvPr>
-        </p:nvSpPr>
-        <p:spPr/>
-        <p:txBody>
-          <a:bodyPr/>
+          <p:cNvSpPr txBox="1"/>
+          <p:nvPr/>
+        </p:nvSpPr>
+        <p:spPr>
+          <a:xfrm>
+            <a:off x="3702767" y="5743074"/>
+            <a:ext cx="4312399" cy="646331"/>
+          </a:xfrm>
+          <a:prstGeom prst="rect">
+            <a:avLst/>
+          </a:prstGeom>
+          <a:noFill/>
+        </p:spPr>
+        <p:txBody>
+          <a:bodyPr wrap="none" rtlCol="0">
+            <a:spAutoFit/>
+          </a:bodyPr>
           <a:lstStyle/>
           <a:p>
-            <a:r>
-              <a:rPr lang="en-US" dirty="0" err="1"/>
-              <a:t>Generisanje</a:t>
-            </a:r>
-            <a:r>
-              <a:rPr lang="en-US" dirty="0"/>
-              <a:t> 4 </a:t>
-            </a:r>
-            <a:r>
-              <a:rPr lang="en-US" dirty="0" err="1"/>
-              <a:t>razli</a:t>
-            </a:r>
-            <a:r>
-              <a:rPr lang="sr-Latn-RS" dirty="0"/>
-              <a:t>čitih grafika</a:t>
-            </a:r>
-          </a:p>
-          <a:p>
-            <a:pPr marL="457200" indent="-457200">
-              <a:buFont typeface="+mj-lt"/>
-              <a:buAutoNum type="arabicPeriod"/>
-            </a:pPr>
-            <a:r>
-              <a:rPr lang="sr-Latn-RS" dirty="0"/>
-              <a:t>Analiza fajlova po tipovima</a:t>
-            </a:r>
-          </a:p>
-          <a:p>
-            <a:pPr marL="457200" indent="-457200">
-              <a:buFont typeface="+mj-lt"/>
-              <a:buAutoNum type="arabicPeriod"/>
-            </a:pPr>
-            <a:r>
-              <a:rPr lang="sr-Latn-RS" dirty="0"/>
-              <a:t>Analiza fajlova po veličini</a:t>
-            </a:r>
-          </a:p>
-          <a:p>
-            <a:pPr marL="457200" indent="-457200">
-              <a:buFont typeface="+mj-lt"/>
-              <a:buAutoNum type="arabicPeriod"/>
-            </a:pPr>
-            <a:r>
-              <a:rPr lang="sr-Latn-RS" dirty="0"/>
-              <a:t>Kalendarska reprezentacija aktivnosti pristupa fajlovima</a:t>
-            </a:r>
-          </a:p>
-          <a:p>
-            <a:pPr marL="457200" indent="-457200">
-              <a:buFont typeface="+mj-lt"/>
-              <a:buAutoNum type="arabicPeriod"/>
-            </a:pPr>
-            <a:r>
-              <a:rPr lang="sr-Latn-RS" dirty="0"/>
-              <a:t>Identifikacija anomalija</a:t>
-            </a:r>
-          </a:p>
-          <a:p>
-            <a:pPr marL="0" indent="0">
-              <a:buNone/>
-            </a:pPr>
-            <a:endParaRPr lang="sr-Latn-RS" dirty="0"/>
+            <a:pPr algn="ctr"/>
+            <a:r>
+              <a:rPr lang="en-US" sz="1800" kern="0" dirty="0" err="1">
+                <a:solidFill>
+                  <a:srgbClr val="44546A"/>
+                </a:solidFill>
+                <a:effectLst/>
+              </a:rPr>
+              <a:t>Detekcija</a:t>
+            </a:r>
+            <a:r>
+              <a:rPr lang="en-US" sz="1800" kern="0" dirty="0">
+                <a:solidFill>
+                  <a:srgbClr val="44546A"/>
+                </a:solidFill>
+                <a:effectLst/>
+              </a:rPr>
+              <a:t> </a:t>
+            </a:r>
+            <a:r>
+              <a:rPr lang="en-US" sz="1800" kern="0" dirty="0" err="1">
+                <a:solidFill>
+                  <a:srgbClr val="44546A"/>
+                </a:solidFill>
+                <a:effectLst/>
+              </a:rPr>
+              <a:t>anomalija</a:t>
+            </a:r>
+            <a:r>
+              <a:rPr lang="en-US" sz="1800" kern="0" dirty="0">
+                <a:solidFill>
+                  <a:srgbClr val="44546A"/>
+                </a:solidFill>
+                <a:effectLst/>
+              </a:rPr>
+              <a:t> u </a:t>
+            </a:r>
+            <a:r>
+              <a:rPr lang="en-US" sz="1800" kern="0" dirty="0" err="1">
+                <a:solidFill>
+                  <a:srgbClr val="44546A"/>
+                </a:solidFill>
+                <a:effectLst/>
+              </a:rPr>
+              <a:t>broju</a:t>
+            </a:r>
+            <a:r>
+              <a:rPr lang="en-US" sz="1800" kern="0" dirty="0">
+                <a:solidFill>
+                  <a:srgbClr val="44546A"/>
+                </a:solidFill>
+                <a:effectLst/>
+              </a:rPr>
+              <a:t> </a:t>
+            </a:r>
+            <a:r>
+              <a:rPr lang="en-US" sz="1800" kern="0" dirty="0" err="1">
+                <a:solidFill>
+                  <a:srgbClr val="44546A"/>
+                </a:solidFill>
+                <a:effectLst/>
+              </a:rPr>
+              <a:t>pristupa</a:t>
+            </a:r>
+            <a:r>
+              <a:rPr lang="en-US" sz="1800" kern="0" dirty="0">
+                <a:solidFill>
+                  <a:srgbClr val="44546A"/>
+                </a:solidFill>
+                <a:effectLst/>
+              </a:rPr>
+              <a:t> </a:t>
+            </a:r>
+            <a:r>
+              <a:rPr lang="en-US" sz="1800" kern="0" dirty="0" err="1">
+                <a:solidFill>
+                  <a:srgbClr val="44546A"/>
+                </a:solidFill>
+                <a:effectLst/>
+              </a:rPr>
+              <a:t>fajlovima</a:t>
+            </a:r>
+            <a:endParaRPr lang="en-US" sz="1800" dirty="0">
+              <a:solidFill>
+                <a:srgbClr val="44546A"/>
+              </a:solidFill>
+              <a:effectLst/>
+            </a:endParaRPr>
+          </a:p>
+          <a:p>
+            <a:pPr algn="ctr"/>
+            <a:endParaRPr lang="en-US" dirty="0"/>
           </a:p>
         </p:txBody>
       </p:sp>
     </p:spTree>
     <p:extLst>
       <p:ext uri="{BB962C8B-B14F-4D97-AF65-F5344CB8AC3E}">
-        <p14:creationId xmlns:p14="http://schemas.microsoft.com/office/powerpoint/2010/main" val="1025324499"/>
+        <p14:creationId xmlns:p14="http://schemas.microsoft.com/office/powerpoint/2010/main" val="3104019003"/>
       </p:ext>
     </p:extLst>
   </p:cSld>
@@ -6638,6 +6629,159 @@
       </p:grpSpPr>
       <p:sp>
         <p:nvSpPr>
+          <p:cNvPr id="2" name="Title 1">
+            <a:extLst>
+              <a:ext uri="{FF2B5EF4-FFF2-40B4-BE49-F238E27FC236}">
+                <a16:creationId xmlns:a16="http://schemas.microsoft.com/office/drawing/2014/main" id="{558AAF78-78EC-802E-B280-0F55E2351F86}"/>
+              </a:ext>
+            </a:extLst>
+          </p:cNvPr>
+          <p:cNvSpPr>
+            <a:spLocks noGrp="1"/>
+          </p:cNvSpPr>
+          <p:nvPr>
+            <p:ph type="title"/>
+          </p:nvPr>
+        </p:nvSpPr>
+        <p:spPr/>
+        <p:txBody>
+          <a:bodyPr/>
+          <a:lstStyle/>
+          <a:p>
+            <a:r>
+              <a:rPr lang="en-US" dirty="0" err="1"/>
+              <a:t>Rezultati</a:t>
+            </a:r>
+            <a:r>
+              <a:rPr lang="en-US" dirty="0"/>
+              <a:t> I </a:t>
+            </a:r>
+            <a:r>
+              <a:rPr lang="en-US" dirty="0" err="1"/>
+              <a:t>primeri</a:t>
+            </a:r>
+            <a:endParaRPr lang="en-US" dirty="0"/>
+          </a:p>
+        </p:txBody>
+      </p:sp>
+      <p:sp>
+        <p:nvSpPr>
+          <p:cNvPr id="3" name="Content Placeholder 2">
+            <a:extLst>
+              <a:ext uri="{FF2B5EF4-FFF2-40B4-BE49-F238E27FC236}">
+                <a16:creationId xmlns:a16="http://schemas.microsoft.com/office/drawing/2014/main" id="{CE4F2BDA-D08A-F282-8ED1-AE1B6252030F}"/>
+              </a:ext>
+            </a:extLst>
+          </p:cNvPr>
+          <p:cNvSpPr>
+            <a:spLocks noGrp="1"/>
+          </p:cNvSpPr>
+          <p:nvPr>
+            <p:ph idx="1"/>
+          </p:nvPr>
+        </p:nvSpPr>
+        <p:spPr/>
+        <p:txBody>
+          <a:bodyPr/>
+          <a:lstStyle/>
+          <a:p>
+            <a:r>
+              <a:rPr lang="en-US" dirty="0" err="1"/>
+              <a:t>Generisanje</a:t>
+            </a:r>
+            <a:r>
+              <a:rPr lang="en-US" dirty="0"/>
+              <a:t> 4 </a:t>
+            </a:r>
+            <a:r>
+              <a:rPr lang="en-US" dirty="0" err="1"/>
+              <a:t>razli</a:t>
+            </a:r>
+            <a:r>
+              <a:rPr lang="sr-Latn-RS" dirty="0"/>
+              <a:t>čitih grafika</a:t>
+            </a:r>
+          </a:p>
+          <a:p>
+            <a:pPr marL="457200" indent="-457200">
+              <a:buFont typeface="+mj-lt"/>
+              <a:buAutoNum type="arabicPeriod"/>
+            </a:pPr>
+            <a:r>
+              <a:rPr lang="sr-Latn-RS" dirty="0"/>
+              <a:t>Analiza fajlova po tipovima</a:t>
+            </a:r>
+          </a:p>
+          <a:p>
+            <a:pPr marL="457200" indent="-457200">
+              <a:buFont typeface="+mj-lt"/>
+              <a:buAutoNum type="arabicPeriod"/>
+            </a:pPr>
+            <a:r>
+              <a:rPr lang="sr-Latn-RS" dirty="0"/>
+              <a:t>Analiza fajlova po veličini</a:t>
+            </a:r>
+          </a:p>
+          <a:p>
+            <a:pPr marL="457200" indent="-457200">
+              <a:buFont typeface="+mj-lt"/>
+              <a:buAutoNum type="arabicPeriod"/>
+            </a:pPr>
+            <a:r>
+              <a:rPr lang="sr-Latn-RS" dirty="0"/>
+              <a:t>Kalendarska reprezentacija aktivnosti pristupa fajlovima</a:t>
+            </a:r>
+          </a:p>
+          <a:p>
+            <a:pPr marL="457200" indent="-457200">
+              <a:buFont typeface="+mj-lt"/>
+              <a:buAutoNum type="arabicPeriod"/>
+            </a:pPr>
+            <a:r>
+              <a:rPr lang="sr-Latn-RS" dirty="0"/>
+              <a:t>Identifikacija anomalija</a:t>
+            </a:r>
+          </a:p>
+          <a:p>
+            <a:pPr marL="0" indent="0">
+              <a:buNone/>
+            </a:pPr>
+            <a:endParaRPr lang="sr-Latn-RS" dirty="0"/>
+          </a:p>
+        </p:txBody>
+      </p:sp>
+    </p:spTree>
+    <p:extLst>
+      <p:ext uri="{BB962C8B-B14F-4D97-AF65-F5344CB8AC3E}">
+        <p14:creationId xmlns:p14="http://schemas.microsoft.com/office/powerpoint/2010/main" val="1025324499"/>
+      </p:ext>
+    </p:extLst>
+  </p:cSld>
+  <p:clrMapOvr>
+    <a:masterClrMapping/>
+  </p:clrMapOvr>
+</p:sld>
+</file>
+
+<file path=ppt/slides/slide14.xml><?xml version="1.0" encoding="utf-8"?>
+<p:sld xmlns:a="http://schemas.openxmlformats.org/drawingml/2006/main" xmlns:r="http://schemas.openxmlformats.org/officeDocument/2006/relationships" xmlns:p="http://schemas.openxmlformats.org/presentationml/2006/main">
+  <p:cSld>
+    <p:spTree>
+      <p:nvGrpSpPr>
+        <p:cNvPr id="1" name=""/>
+        <p:cNvGrpSpPr/>
+        <p:nvPr/>
+      </p:nvGrpSpPr>
+      <p:grpSpPr>
+        <a:xfrm>
+          <a:off x="0" y="0"/>
+          <a:ext cx="0" cy="0"/>
+          <a:chOff x="0" y="0"/>
+          <a:chExt cx="0" cy="0"/>
+        </a:xfrm>
+      </p:grpSpPr>
+      <p:sp>
+        <p:nvSpPr>
           <p:cNvPr id="4" name="TextBox 3">
             <a:extLst>
               <a:ext uri="{FF2B5EF4-FFF2-40B4-BE49-F238E27FC236}">
@@ -6698,7 +6842,7 @@
         </p:blipFill>
         <p:spPr>
           <a:xfrm>
-            <a:off x="1323475" y="1483315"/>
+            <a:off x="1331496" y="1491336"/>
             <a:ext cx="9216188" cy="4272404"/>
           </a:xfrm>
           <a:prstGeom prst="rect">
@@ -6770,7 +6914,7 @@
 </p:sld>
 </file>
 
-<file path=ppt/slides/slide14.xml><?xml version="1.0" encoding="utf-8"?>
+<file path=ppt/slides/slide15.xml><?xml version="1.0" encoding="utf-8"?>
 <p:sld xmlns:a="http://schemas.openxmlformats.org/drawingml/2006/main" xmlns:r="http://schemas.openxmlformats.org/officeDocument/2006/relationships" xmlns:p="http://schemas.openxmlformats.org/presentationml/2006/main">
   <p:cSld>
     <p:spTree>
@@ -6989,7 +7133,7 @@
 </p:sld>
 </file>
 
-<file path=ppt/slides/slide15.xml><?xml version="1.0" encoding="utf-8"?>
+<file path=ppt/slides/slide16.xml><?xml version="1.0" encoding="utf-8"?>
 <p:sld xmlns:a="http://schemas.openxmlformats.org/drawingml/2006/main" xmlns:r="http://schemas.openxmlformats.org/officeDocument/2006/relationships" xmlns:p="http://schemas.openxmlformats.org/presentationml/2006/main">
   <p:cSld>
     <p:spTree>
@@ -7122,7 +7266,7 @@
 </p:sld>
 </file>
 
-<file path=ppt/slides/slide16.xml><?xml version="1.0" encoding="utf-8"?>
+<file path=ppt/slides/slide17.xml><?xml version="1.0" encoding="utf-8"?>
 <p:sld xmlns:a="http://schemas.openxmlformats.org/drawingml/2006/main" xmlns:r="http://schemas.openxmlformats.org/officeDocument/2006/relationships" xmlns:p="http://schemas.openxmlformats.org/presentationml/2006/main">
   <p:cSld>
     <p:spTree>
@@ -7246,7 +7390,7 @@
 </p:sld>
 </file>
 
-<file path=ppt/slides/slide17.xml><?xml version="1.0" encoding="utf-8"?>
+<file path=ppt/slides/slide18.xml><?xml version="1.0" encoding="utf-8"?>
 <p:sld xmlns:a="http://schemas.openxmlformats.org/drawingml/2006/main" xmlns:r="http://schemas.openxmlformats.org/officeDocument/2006/relationships" xmlns:p="http://schemas.openxmlformats.org/presentationml/2006/main">
   <p:cSld>
     <p:spTree>
@@ -7412,7 +7556,7 @@
 </p:sld>
 </file>
 
-<file path=ppt/slides/slide18.xml><?xml version="1.0" encoding="utf-8"?>
+<file path=ppt/slides/slide19.xml><?xml version="1.0" encoding="utf-8"?>
 <p:sld xmlns:a="http://schemas.openxmlformats.org/drawingml/2006/main" xmlns:r="http://schemas.openxmlformats.org/officeDocument/2006/relationships" xmlns:p="http://schemas.openxmlformats.org/presentationml/2006/main">
   <p:cSld>
     <p:spTree>
@@ -7537,7 +7681,144 @@
 </p:sld>
 </file>
 
-<file path=ppt/slides/slide19.xml><?xml version="1.0" encoding="utf-8"?>
+<file path=ppt/slides/slide2.xml><?xml version="1.0" encoding="utf-8"?>
+<p:sld xmlns:a="http://schemas.openxmlformats.org/drawingml/2006/main" xmlns:r="http://schemas.openxmlformats.org/officeDocument/2006/relationships" xmlns:p="http://schemas.openxmlformats.org/presentationml/2006/main">
+  <p:cSld>
+    <p:spTree>
+      <p:nvGrpSpPr>
+        <p:cNvPr id="1" name=""/>
+        <p:cNvGrpSpPr/>
+        <p:nvPr/>
+      </p:nvGrpSpPr>
+      <p:grpSpPr>
+        <a:xfrm>
+          <a:off x="0" y="0"/>
+          <a:ext cx="0" cy="0"/>
+          <a:chOff x="0" y="0"/>
+          <a:chExt cx="0" cy="0"/>
+        </a:xfrm>
+      </p:grpSpPr>
+      <p:sp>
+        <p:nvSpPr>
+          <p:cNvPr id="2" name="Title 1">
+            <a:extLst>
+              <a:ext uri="{FF2B5EF4-FFF2-40B4-BE49-F238E27FC236}">
+                <a16:creationId xmlns:a16="http://schemas.microsoft.com/office/drawing/2014/main" id="{63F94285-AE20-49A5-A81A-5723A952BDF3}"/>
+              </a:ext>
+            </a:extLst>
+          </p:cNvPr>
+          <p:cNvSpPr>
+            <a:spLocks noGrp="1"/>
+          </p:cNvSpPr>
+          <p:nvPr>
+            <p:ph type="title"/>
+          </p:nvPr>
+        </p:nvSpPr>
+        <p:spPr>
+          <a:xfrm>
+            <a:off x="1295401" y="982132"/>
+            <a:ext cx="9601196" cy="1303867"/>
+          </a:xfrm>
+        </p:spPr>
+        <p:txBody>
+          <a:bodyPr/>
+          <a:lstStyle/>
+          <a:p>
+            <a:r>
+              <a:rPr lang="sr-Latn-RS" dirty="0"/>
+              <a:t>Sadržaj</a:t>
+            </a:r>
+            <a:endParaRPr lang="en-US" dirty="0"/>
+          </a:p>
+        </p:txBody>
+      </p:sp>
+      <p:sp>
+        <p:nvSpPr>
+          <p:cNvPr id="3" name="Content Placeholder 2">
+            <a:extLst>
+              <a:ext uri="{FF2B5EF4-FFF2-40B4-BE49-F238E27FC236}">
+                <a16:creationId xmlns:a16="http://schemas.microsoft.com/office/drawing/2014/main" id="{498D05AD-02F7-645F-7540-18FCC1ED6CD8}"/>
+              </a:ext>
+            </a:extLst>
+          </p:cNvPr>
+          <p:cNvSpPr>
+            <a:spLocks noGrp="1"/>
+          </p:cNvSpPr>
+          <p:nvPr>
+            <p:ph idx="1"/>
+          </p:nvPr>
+        </p:nvSpPr>
+        <p:spPr/>
+        <p:txBody>
+          <a:bodyPr>
+            <a:normAutofit fontScale="92500" lnSpcReduction="20000"/>
+          </a:bodyPr>
+          <a:lstStyle/>
+          <a:p>
+            <a:r>
+              <a:rPr lang="sr-Latn-RS" dirty="0"/>
+              <a:t>Uvod i cilj projekta</a:t>
+            </a:r>
+          </a:p>
+          <a:p>
+            <a:r>
+              <a:rPr lang="sr-Latn-RS" dirty="0"/>
+              <a:t>Metapodaci fajlova</a:t>
+            </a:r>
+          </a:p>
+          <a:p>
+            <a:r>
+              <a:rPr lang="sr-Latn-RS" dirty="0"/>
+              <a:t>Korišćene tehnologije</a:t>
+            </a:r>
+          </a:p>
+          <a:p>
+            <a:r>
+              <a:rPr lang="sr-Latn-RS" dirty="0"/>
+              <a:t>Arhitektura i implementacija alata</a:t>
+            </a:r>
+          </a:p>
+          <a:p>
+            <a:r>
+              <a:rPr lang="sr-Latn-RS" dirty="0"/>
+              <a:t>Analiza i vizuelizacija podataka</a:t>
+            </a:r>
+          </a:p>
+          <a:p>
+            <a:r>
+              <a:rPr lang="sr-Latn-RS" dirty="0"/>
+              <a:t>Detekcija anomalija</a:t>
+            </a:r>
+          </a:p>
+          <a:p>
+            <a:r>
+              <a:rPr lang="sr-Latn-RS" dirty="0"/>
+              <a:t>Rezultati i primeri</a:t>
+            </a:r>
+          </a:p>
+          <a:p>
+            <a:r>
+              <a:rPr lang="sr-Latn-RS" dirty="0"/>
+              <a:t>Zaključak</a:t>
+            </a:r>
+            <a:endParaRPr lang="en-US" dirty="0"/>
+          </a:p>
+        </p:txBody>
+      </p:sp>
+    </p:spTree>
+    <p:extLst>
+      <p:ext uri="{BB962C8B-B14F-4D97-AF65-F5344CB8AC3E}">
+        <p14:creationId xmlns:p14="http://schemas.microsoft.com/office/powerpoint/2010/main" val="3063981144"/>
+      </p:ext>
+    </p:extLst>
+  </p:cSld>
+  <p:clrMapOvr>
+    <a:masterClrMapping/>
+  </p:clrMapOvr>
+</p:sld>
+</file>
+
+<file path=ppt/slides/slide20.xml><?xml version="1.0" encoding="utf-8"?>
 <p:sld xmlns:a="http://schemas.openxmlformats.org/drawingml/2006/main" xmlns:r="http://schemas.openxmlformats.org/officeDocument/2006/relationships" xmlns:p="http://schemas.openxmlformats.org/presentationml/2006/main">
   <p:cSld>
     <p:spTree>
@@ -7693,144 +7974,7 @@
 </p:sld>
 </file>
 
-<file path=ppt/slides/slide2.xml><?xml version="1.0" encoding="utf-8"?>
-<p:sld xmlns:a="http://schemas.openxmlformats.org/drawingml/2006/main" xmlns:r="http://schemas.openxmlformats.org/officeDocument/2006/relationships" xmlns:p="http://schemas.openxmlformats.org/presentationml/2006/main">
-  <p:cSld>
-    <p:spTree>
-      <p:nvGrpSpPr>
-        <p:cNvPr id="1" name=""/>
-        <p:cNvGrpSpPr/>
-        <p:nvPr/>
-      </p:nvGrpSpPr>
-      <p:grpSpPr>
-        <a:xfrm>
-          <a:off x="0" y="0"/>
-          <a:ext cx="0" cy="0"/>
-          <a:chOff x="0" y="0"/>
-          <a:chExt cx="0" cy="0"/>
-        </a:xfrm>
-      </p:grpSpPr>
-      <p:sp>
-        <p:nvSpPr>
-          <p:cNvPr id="2" name="Title 1">
-            <a:extLst>
-              <a:ext uri="{FF2B5EF4-FFF2-40B4-BE49-F238E27FC236}">
-                <a16:creationId xmlns:a16="http://schemas.microsoft.com/office/drawing/2014/main" id="{63F94285-AE20-49A5-A81A-5723A952BDF3}"/>
-              </a:ext>
-            </a:extLst>
-          </p:cNvPr>
-          <p:cNvSpPr>
-            <a:spLocks noGrp="1"/>
-          </p:cNvSpPr>
-          <p:nvPr>
-            <p:ph type="title"/>
-          </p:nvPr>
-        </p:nvSpPr>
-        <p:spPr>
-          <a:xfrm>
-            <a:off x="1295401" y="982132"/>
-            <a:ext cx="9601196" cy="1303867"/>
-          </a:xfrm>
-        </p:spPr>
-        <p:txBody>
-          <a:bodyPr/>
-          <a:lstStyle/>
-          <a:p>
-            <a:r>
-              <a:rPr lang="sr-Latn-RS" dirty="0"/>
-              <a:t>Sadržaj</a:t>
-            </a:r>
-            <a:endParaRPr lang="en-US" dirty="0"/>
-          </a:p>
-        </p:txBody>
-      </p:sp>
-      <p:sp>
-        <p:nvSpPr>
-          <p:cNvPr id="3" name="Content Placeholder 2">
-            <a:extLst>
-              <a:ext uri="{FF2B5EF4-FFF2-40B4-BE49-F238E27FC236}">
-                <a16:creationId xmlns:a16="http://schemas.microsoft.com/office/drawing/2014/main" id="{498D05AD-02F7-645F-7540-18FCC1ED6CD8}"/>
-              </a:ext>
-            </a:extLst>
-          </p:cNvPr>
-          <p:cNvSpPr>
-            <a:spLocks noGrp="1"/>
-          </p:cNvSpPr>
-          <p:nvPr>
-            <p:ph idx="1"/>
-          </p:nvPr>
-        </p:nvSpPr>
-        <p:spPr/>
-        <p:txBody>
-          <a:bodyPr>
-            <a:normAutofit fontScale="92500" lnSpcReduction="20000"/>
-          </a:bodyPr>
-          <a:lstStyle/>
-          <a:p>
-            <a:r>
-              <a:rPr lang="sr-Latn-RS" dirty="0"/>
-              <a:t>Uvod i cilj projekta</a:t>
-            </a:r>
-          </a:p>
-          <a:p>
-            <a:r>
-              <a:rPr lang="sr-Latn-RS" dirty="0"/>
-              <a:t>Metapodaci fajlova</a:t>
-            </a:r>
-          </a:p>
-          <a:p>
-            <a:r>
-              <a:rPr lang="sr-Latn-RS" dirty="0"/>
-              <a:t>Korišćene tehnologije</a:t>
-            </a:r>
-          </a:p>
-          <a:p>
-            <a:r>
-              <a:rPr lang="sr-Latn-RS" dirty="0"/>
-              <a:t>Arhitektura i implementacija alata</a:t>
-            </a:r>
-          </a:p>
-          <a:p>
-            <a:r>
-              <a:rPr lang="sr-Latn-RS" dirty="0"/>
-              <a:t>Analiza i vizuelizacija podataka</a:t>
-            </a:r>
-          </a:p>
-          <a:p>
-            <a:r>
-              <a:rPr lang="sr-Latn-RS" dirty="0"/>
-              <a:t>Detekcija anomalija</a:t>
-            </a:r>
-          </a:p>
-          <a:p>
-            <a:r>
-              <a:rPr lang="sr-Latn-RS" dirty="0"/>
-              <a:t>Rezultati i primeri</a:t>
-            </a:r>
-          </a:p>
-          <a:p>
-            <a:r>
-              <a:rPr lang="sr-Latn-RS" dirty="0"/>
-              <a:t>Zaključak</a:t>
-            </a:r>
-            <a:endParaRPr lang="en-US" dirty="0"/>
-          </a:p>
-        </p:txBody>
-      </p:sp>
-    </p:spTree>
-    <p:extLst>
-      <p:ext uri="{BB962C8B-B14F-4D97-AF65-F5344CB8AC3E}">
-        <p14:creationId xmlns:p14="http://schemas.microsoft.com/office/powerpoint/2010/main" val="3063981144"/>
-      </p:ext>
-    </p:extLst>
-  </p:cSld>
-  <p:clrMapOvr>
-    <a:masterClrMapping/>
-  </p:clrMapOvr>
-</p:sld>
-</file>
-
-<file path=ppt/slides/slide20.xml><?xml version="1.0" encoding="utf-8"?>
+<file path=ppt/slides/slide21.xml><?xml version="1.0" encoding="utf-8"?>
 <p:sld xmlns:a="http://schemas.openxmlformats.org/drawingml/2006/main" xmlns:r="http://schemas.openxmlformats.org/officeDocument/2006/relationships" xmlns:p="http://schemas.openxmlformats.org/presentationml/2006/main">
   <p:cSld>
     <p:spTree>
@@ -7930,7 +8074,7 @@
 </p:sld>
 </file>
 
-<file path=ppt/slides/slide21.xml><?xml version="1.0" encoding="utf-8"?>
+<file path=ppt/slides/slide22.xml><?xml version="1.0" encoding="utf-8"?>
 <p:sld xmlns:a="http://schemas.openxmlformats.org/drawingml/2006/main" xmlns:r="http://schemas.openxmlformats.org/officeDocument/2006/relationships" xmlns:p="http://schemas.openxmlformats.org/presentationml/2006/main">
   <p:cSld>
     <p:spTree>
